--- a/asset/Learn/ITA-export-import_EN_practice.pptx
+++ b/asset/Learn/ITA-export-import_EN_practice.pptx
@@ -13,7 +13,7 @@
   </p:handoutMasterIdLst>
   <p:sldIdLst>
     <p:sldId id="262" r:id="rId3"/>
-    <p:sldId id="507" r:id="rId4"/>
+    <p:sldId id="774" r:id="rId4"/>
     <p:sldId id="508" r:id="rId5"/>
     <p:sldId id="680" r:id="rId6"/>
     <p:sldId id="710" r:id="rId7"/>
@@ -148,7 +148,7 @@
         <p14:section name="Front Page/ Table of Contents" id="{35DD3A7B-A3B5-49A5-9CD2-FA74D1CAA38D}">
           <p14:sldIdLst>
             <p14:sldId id="262"/>
-            <p14:sldId id="507"/>
+            <p14:sldId id="774"/>
           </p14:sldIdLst>
         </p14:section>
         <p14:section name="1. Introduction" id="{B81141D6-5160-4643-8D51-022CC5C4BDB9}">
@@ -330,7 +330,7 @@
               <a:rPr kumimoji="1" lang="ja-JP" altLang="en-US" smtClean="0">
                 <a:ea typeface="メイリオ" panose="020B0604030504040204" pitchFamily="50" charset="-128"/>
               </a:rPr>
-              <a:t>2021/12/9</a:t>
+              <a:t>2022/2/3</a:t>
             </a:fld>
             <a:endParaRPr kumimoji="1" lang="ja-JP" altLang="en-US" dirty="0">
               <a:ea typeface="メイリオ" panose="020B0604030504040204" pitchFamily="50" charset="-128"/>
@@ -476,7 +476,7 @@
             <a:fld id="{4B26993D-C081-44EB-B0F5-A9F467792B62}" type="datetimeFigureOut">
               <a:rPr lang="ja-JP" altLang="en-US" smtClean="0"/>
               <a:pPr/>
-              <a:t>2021/12/9</a:t>
+              <a:t>2022/2/3</a:t>
             </a:fld>
             <a:endParaRPr lang="ja-JP" altLang="en-US" dirty="0"/>
           </a:p>
@@ -1099,7 +1099,7 @@
           <a:p>
             <a:fld id="{56F9016B-CCA6-43BE-8BEE-59565A35F4F7}" type="datetimeFigureOut">
               <a:rPr kumimoji="1" lang="ja-JP" altLang="en-US" smtClean="0"/>
-              <a:t>2021/12/9</a:t>
+              <a:t>2022/2/3</a:t>
             </a:fld>
             <a:endParaRPr kumimoji="1" lang="ja-JP" altLang="en-US"/>
           </a:p>
@@ -1301,7 +1301,7 @@
           <a:p>
             <a:fld id="{56F9016B-CCA6-43BE-8BEE-59565A35F4F7}" type="datetimeFigureOut">
               <a:rPr kumimoji="1" lang="ja-JP" altLang="en-US" smtClean="0"/>
-              <a:t>2021/12/9</a:t>
+              <a:t>2022/2/3</a:t>
             </a:fld>
             <a:endParaRPr kumimoji="1" lang="ja-JP" altLang="en-US"/>
           </a:p>
@@ -1547,7 +1547,7 @@
           <a:p>
             <a:fld id="{56F9016B-CCA6-43BE-8BEE-59565A35F4F7}" type="datetimeFigureOut">
               <a:rPr kumimoji="1" lang="ja-JP" altLang="en-US" smtClean="0"/>
-              <a:t>2021/12/9</a:t>
+              <a:t>2022/2/3</a:t>
             </a:fld>
             <a:endParaRPr kumimoji="1" lang="ja-JP" altLang="en-US"/>
           </a:p>
@@ -1843,7 +1843,7 @@
           <a:p>
             <a:fld id="{56F9016B-CCA6-43BE-8BEE-59565A35F4F7}" type="datetimeFigureOut">
               <a:rPr kumimoji="1" lang="ja-JP" altLang="en-US" smtClean="0"/>
-              <a:t>2021/12/9</a:t>
+              <a:t>2022/2/3</a:t>
             </a:fld>
             <a:endParaRPr kumimoji="1" lang="ja-JP" altLang="en-US"/>
           </a:p>
@@ -2274,7 +2274,7 @@
           <a:p>
             <a:fld id="{56F9016B-CCA6-43BE-8BEE-59565A35F4F7}" type="datetimeFigureOut">
               <a:rPr kumimoji="1" lang="ja-JP" altLang="en-US" smtClean="0"/>
-              <a:t>2021/12/9</a:t>
+              <a:t>2022/2/3</a:t>
             </a:fld>
             <a:endParaRPr kumimoji="1" lang="ja-JP" altLang="en-US"/>
           </a:p>
@@ -2392,7 +2392,7 @@
           <a:p>
             <a:fld id="{56F9016B-CCA6-43BE-8BEE-59565A35F4F7}" type="datetimeFigureOut">
               <a:rPr kumimoji="1" lang="ja-JP" altLang="en-US" smtClean="0"/>
-              <a:t>2021/12/9</a:t>
+              <a:t>2022/2/3</a:t>
             </a:fld>
             <a:endParaRPr kumimoji="1" lang="ja-JP" altLang="en-US"/>
           </a:p>
@@ -2487,7 +2487,7 @@
           <a:p>
             <a:fld id="{56F9016B-CCA6-43BE-8BEE-59565A35F4F7}" type="datetimeFigureOut">
               <a:rPr kumimoji="1" lang="ja-JP" altLang="en-US" smtClean="0"/>
-              <a:t>2021/12/9</a:t>
+              <a:t>2022/2/3</a:t>
             </a:fld>
             <a:endParaRPr kumimoji="1" lang="ja-JP" altLang="en-US"/>
           </a:p>
@@ -2796,7 +2796,7 @@
           <a:p>
             <a:fld id="{56F9016B-CCA6-43BE-8BEE-59565A35F4F7}" type="datetimeFigureOut">
               <a:rPr kumimoji="1" lang="ja-JP" altLang="en-US" smtClean="0"/>
-              <a:t>2021/12/9</a:t>
+              <a:t>2022/2/3</a:t>
             </a:fld>
             <a:endParaRPr kumimoji="1" lang="ja-JP" altLang="en-US"/>
           </a:p>
@@ -3049,7 +3049,7 @@
           <a:p>
             <a:fld id="{56F9016B-CCA6-43BE-8BEE-59565A35F4F7}" type="datetimeFigureOut">
               <a:rPr kumimoji="1" lang="ja-JP" altLang="en-US" smtClean="0"/>
-              <a:t>2021/12/9</a:t>
+              <a:t>2022/2/3</a:t>
             </a:fld>
             <a:endParaRPr kumimoji="1" lang="ja-JP" altLang="en-US"/>
           </a:p>
@@ -3326,7 +3326,7 @@
           <a:p>
             <a:fld id="{56F9016B-CCA6-43BE-8BEE-59565A35F4F7}" type="datetimeFigureOut">
               <a:rPr kumimoji="1" lang="ja-JP" altLang="en-US" smtClean="0"/>
-              <a:t>2021/12/9</a:t>
+              <a:t>2022/2/3</a:t>
             </a:fld>
             <a:endParaRPr kumimoji="1" lang="ja-JP" altLang="en-US"/>
           </a:p>
@@ -3538,7 +3538,7 @@
           <a:p>
             <a:fld id="{56F9016B-CCA6-43BE-8BEE-59565A35F4F7}" type="datetimeFigureOut">
               <a:rPr kumimoji="1" lang="ja-JP" altLang="en-US" smtClean="0"/>
-              <a:t>2021/12/9</a:t>
+              <a:t>2022/2/3</a:t>
             </a:fld>
             <a:endParaRPr kumimoji="1" lang="ja-JP" altLang="en-US"/>
           </a:p>
@@ -6597,7 +6597,7 @@
           <a:p>
             <a:fld id="{56F9016B-CCA6-43BE-8BEE-59565A35F4F7}" type="datetimeFigureOut">
               <a:rPr kumimoji="1" lang="ja-JP" altLang="en-US" smtClean="0"/>
-              <a:t>2021/12/9</a:t>
+              <a:t>2022/2/3</a:t>
             </a:fld>
             <a:endParaRPr kumimoji="1" lang="ja-JP" altLang="en-US"/>
           </a:p>
@@ -7030,8 +7030,8 @@
           <a:lstStyle/>
           <a:p>
             <a:r>
-              <a:rPr lang="en-US" altLang="ja-JP" dirty="0" smtClean="0"/>
-              <a:t>Version 1.8.0</a:t>
+              <a:rPr lang="en-US" altLang="ja-JP" dirty="0"/>
+              <a:t>Exastro IT Automation Version 1.9</a:t>
             </a:r>
           </a:p>
           <a:p>
@@ -7598,7 +7598,11 @@
             </a:r>
             <a:r>
               <a:rPr lang="en-US" altLang="ja-JP" dirty="0" smtClean="0"/>
-              <a:t>Input/Create Menu(1/4)</a:t>
+              <a:t>Create </a:t>
+            </a:r>
+            <a:r>
+              <a:rPr lang="en-US" altLang="ja-JP" dirty="0" smtClean="0"/>
+              <a:t>Menu(1/4)</a:t>
             </a:r>
             <a:endParaRPr kumimoji="1" lang="ja-JP" altLang="en-US" dirty="0"/>
           </a:p>
@@ -7634,9 +7638,20 @@
             </a:pPr>
             <a:r>
               <a:rPr lang="en-US" altLang="ja-JP" sz="1600" dirty="0" smtClean="0"/>
-              <a:t>Menu: Management Console&gt; Menu group list.</a:t>
-            </a:r>
-            <a:endParaRPr lang="en-US" altLang="ja-JP" sz="1600" b="1" dirty="0" smtClean="0"/>
+              <a:t>Menu: </a:t>
+            </a:r>
+            <a:r>
+              <a:rPr lang="en-US" altLang="ja-JP" sz="1600" b="1" dirty="0" smtClean="0"/>
+              <a:t>Management </a:t>
+            </a:r>
+            <a:r>
+              <a:rPr lang="en-US" altLang="ja-JP" sz="1600" b="1" dirty="0" smtClean="0"/>
+              <a:t>console</a:t>
+            </a:r>
+            <a:r>
+              <a:rPr lang="en-US" altLang="ja-JP" sz="1600" b="1" dirty="0" smtClean="0"/>
+              <a:t>&gt; Menu group list.</a:t>
+            </a:r>
           </a:p>
           <a:p>
             <a:pPr marL="457200" indent="-457200">
@@ -8737,8 +8752,8 @@
         </p:nvSpPr>
         <p:spPr bwMode="auto">
           <a:xfrm>
-            <a:off x="2716694" y="5285089"/>
-            <a:ext cx="5167766" cy="1384361"/>
+            <a:off x="2847016" y="4741805"/>
+            <a:ext cx="4605385" cy="1927645"/>
           </a:xfrm>
           <a:prstGeom prst="roundRect">
             <a:avLst>
@@ -8858,7 +8873,11 @@
             </a:r>
             <a:r>
               <a:rPr lang="en-US" altLang="ja-JP" dirty="0" smtClean="0"/>
-              <a:t>Input/Create Menu(2/4)</a:t>
+              <a:t>Create </a:t>
+            </a:r>
+            <a:r>
+              <a:rPr lang="en-US" altLang="ja-JP" dirty="0" smtClean="0"/>
+              <a:t>Menu(2/4)</a:t>
             </a:r>
             <a:endParaRPr kumimoji="1" lang="ja-JP" altLang="en-US" dirty="0"/>
           </a:p>
@@ -8906,9 +8925,13 @@
             </a:pPr>
             <a:r>
               <a:rPr lang="en-US" altLang="ja-JP" sz="1600" dirty="0" smtClean="0"/>
-              <a:t>Menu: Create menu&gt; Create/Define menu</a:t>
-            </a:r>
-            <a:endParaRPr lang="en-US" altLang="ja-JP" sz="1600" dirty="0"/>
+              <a:t>Menu: </a:t>
+            </a:r>
+            <a:r>
+              <a:rPr lang="en-US" altLang="ja-JP" sz="1600" b="1" dirty="0" smtClean="0"/>
+              <a:t>Create menu&gt; Create/Define menu</a:t>
+            </a:r>
+            <a:endParaRPr lang="en-US" altLang="ja-JP" sz="1600" b="1" dirty="0"/>
           </a:p>
           <a:p>
             <a:pPr marL="457200" indent="-457200">
@@ -9971,30 +9994,6 @@
           </a:p>
         </p:txBody>
       </p:sp>
-      <p:pic>
-        <p:nvPicPr>
-          <p:cNvPr id="8" name="図 7"/>
-          <p:cNvPicPr>
-            <a:picLocks noChangeAspect="1"/>
-          </p:cNvPicPr>
-          <p:nvPr/>
-        </p:nvPicPr>
-        <p:blipFill>
-          <a:blip r:embed="rId3"/>
-          <a:stretch>
-            <a:fillRect/>
-          </a:stretch>
-        </p:blipFill>
-        <p:spPr>
-          <a:xfrm>
-            <a:off x="2737347" y="5275902"/>
-            <a:ext cx="5178272" cy="1371582"/>
-          </a:xfrm>
-          <a:prstGeom prst="rect">
-            <a:avLst/>
-          </a:prstGeom>
-        </p:spPr>
-      </p:pic>
       <p:sp>
         <p:nvSpPr>
           <p:cNvPr id="27" name="角丸四角形 26"/>
@@ -10116,6 +10115,306 @@
               <a:t>2</a:t>
             </a:r>
             <a:endParaRPr kumimoji="1" lang="ja-JP" altLang="en-US" sz="1400" b="1" dirty="0" smtClean="0">
+              <a:latin typeface="+mn-ea"/>
+            </a:endParaRPr>
+          </a:p>
+        </p:txBody>
+      </p:sp>
+      <p:pic>
+        <p:nvPicPr>
+          <p:cNvPr id="4" name="図 3"/>
+          <p:cNvPicPr>
+            <a:picLocks noChangeAspect="1"/>
+          </p:cNvPicPr>
+          <p:nvPr/>
+        </p:nvPicPr>
+        <p:blipFill>
+          <a:blip r:embed="rId3"/>
+          <a:stretch>
+            <a:fillRect/>
+          </a:stretch>
+        </p:blipFill>
+        <p:spPr>
+          <a:xfrm>
+            <a:off x="2992324" y="4797166"/>
+            <a:ext cx="4438235" cy="1872284"/>
+          </a:xfrm>
+          <a:prstGeom prst="rect">
+            <a:avLst/>
+          </a:prstGeom>
+        </p:spPr>
+      </p:pic>
+      <p:sp>
+        <p:nvSpPr>
+          <p:cNvPr id="28" name="角丸四角形 27"/>
+          <p:cNvSpPr/>
+          <p:nvPr/>
+        </p:nvSpPr>
+        <p:spPr bwMode="auto">
+          <a:xfrm rot="10800000" flipV="1">
+            <a:off x="3131497" y="5429430"/>
+            <a:ext cx="4163656" cy="375899"/>
+          </a:xfrm>
+          <a:prstGeom prst="roundRect">
+            <a:avLst>
+              <a:gd name="adj" fmla="val 5764"/>
+            </a:avLst>
+          </a:prstGeom>
+          <a:noFill/>
+          <a:ln w="28575">
+            <a:solidFill>
+              <a:srgbClr val="FF0000"/>
+            </a:solidFill>
+          </a:ln>
+          <a:effectLst/>
+          <a:extLst/>
+        </p:spPr>
+        <p:txBody>
+          <a:bodyPr rot="0" spcFirstLastPara="0" vert="horz" wrap="none" lIns="72000" tIns="72000" rIns="72000" bIns="72000" numCol="1" spcCol="0" rtlCol="0" fromWordArt="0" anchor="ctr" anchorCtr="0" forceAA="0" compatLnSpc="1">
+            <a:prstTxWarp prst="textNoShape">
+              <a:avLst/>
+            </a:prstTxWarp>
+            <a:noAutofit/>
+          </a:bodyPr>
+          <a:lstStyle>
+            <a:defPPr>
+              <a:defRPr lang="ja-JP"/>
+            </a:defPPr>
+            <a:lvl1pPr marL="0" algn="l" defTabSz="914400" rtl="0" eaLnBrk="1" latinLnBrk="0" hangingPunct="1">
+              <a:defRPr kumimoji="1" sz="1800" kern="1200">
+                <a:solidFill>
+                  <a:schemeClr val="tx1"/>
+                </a:solidFill>
+                <a:latin typeface="+mn-lt"/>
+                <a:ea typeface="+mn-ea"/>
+                <a:cs typeface="+mn-cs"/>
+              </a:defRPr>
+            </a:lvl1pPr>
+            <a:lvl2pPr marL="457200" algn="l" defTabSz="914400" rtl="0" eaLnBrk="1" latinLnBrk="0" hangingPunct="1">
+              <a:defRPr kumimoji="1" sz="1800" kern="1200">
+                <a:solidFill>
+                  <a:schemeClr val="tx1"/>
+                </a:solidFill>
+                <a:latin typeface="+mn-lt"/>
+                <a:ea typeface="+mn-ea"/>
+                <a:cs typeface="+mn-cs"/>
+              </a:defRPr>
+            </a:lvl2pPr>
+            <a:lvl3pPr marL="914400" algn="l" defTabSz="914400" rtl="0" eaLnBrk="1" latinLnBrk="0" hangingPunct="1">
+              <a:defRPr kumimoji="1" sz="1800" kern="1200">
+                <a:solidFill>
+                  <a:schemeClr val="tx1"/>
+                </a:solidFill>
+                <a:latin typeface="+mn-lt"/>
+                <a:ea typeface="+mn-ea"/>
+                <a:cs typeface="+mn-cs"/>
+              </a:defRPr>
+            </a:lvl3pPr>
+            <a:lvl4pPr marL="1371600" algn="l" defTabSz="914400" rtl="0" eaLnBrk="1" latinLnBrk="0" hangingPunct="1">
+              <a:defRPr kumimoji="1" sz="1800" kern="1200">
+                <a:solidFill>
+                  <a:schemeClr val="tx1"/>
+                </a:solidFill>
+                <a:latin typeface="+mn-lt"/>
+                <a:ea typeface="+mn-ea"/>
+                <a:cs typeface="+mn-cs"/>
+              </a:defRPr>
+            </a:lvl4pPr>
+            <a:lvl5pPr marL="1828800" algn="l" defTabSz="914400" rtl="0" eaLnBrk="1" latinLnBrk="0" hangingPunct="1">
+              <a:defRPr kumimoji="1" sz="1800" kern="1200">
+                <a:solidFill>
+                  <a:schemeClr val="tx1"/>
+                </a:solidFill>
+                <a:latin typeface="+mn-lt"/>
+                <a:ea typeface="+mn-ea"/>
+                <a:cs typeface="+mn-cs"/>
+              </a:defRPr>
+            </a:lvl5pPr>
+            <a:lvl6pPr marL="2286000" algn="l" defTabSz="914400" rtl="0" eaLnBrk="1" latinLnBrk="0" hangingPunct="1">
+              <a:defRPr kumimoji="1" sz="1800" kern="1200">
+                <a:solidFill>
+                  <a:schemeClr val="tx1"/>
+                </a:solidFill>
+                <a:latin typeface="+mn-lt"/>
+                <a:ea typeface="+mn-ea"/>
+                <a:cs typeface="+mn-cs"/>
+              </a:defRPr>
+            </a:lvl6pPr>
+            <a:lvl7pPr marL="2743200" algn="l" defTabSz="914400" rtl="0" eaLnBrk="1" latinLnBrk="0" hangingPunct="1">
+              <a:defRPr kumimoji="1" sz="1800" kern="1200">
+                <a:solidFill>
+                  <a:schemeClr val="tx1"/>
+                </a:solidFill>
+                <a:latin typeface="+mn-lt"/>
+                <a:ea typeface="+mn-ea"/>
+                <a:cs typeface="+mn-cs"/>
+              </a:defRPr>
+            </a:lvl7pPr>
+            <a:lvl8pPr marL="3200400" algn="l" defTabSz="914400" rtl="0" eaLnBrk="1" latinLnBrk="0" hangingPunct="1">
+              <a:defRPr kumimoji="1" sz="1800" kern="1200">
+                <a:solidFill>
+                  <a:schemeClr val="tx1"/>
+                </a:solidFill>
+                <a:latin typeface="+mn-lt"/>
+                <a:ea typeface="+mn-ea"/>
+                <a:cs typeface="+mn-cs"/>
+              </a:defRPr>
+            </a:lvl8pPr>
+            <a:lvl9pPr marL="3657600" algn="l" defTabSz="914400" rtl="0" eaLnBrk="1" latinLnBrk="0" hangingPunct="1">
+              <a:defRPr kumimoji="1" sz="1800" kern="1200">
+                <a:solidFill>
+                  <a:schemeClr val="tx1"/>
+                </a:solidFill>
+                <a:latin typeface="+mn-lt"/>
+                <a:ea typeface="+mn-ea"/>
+                <a:cs typeface="+mn-cs"/>
+              </a:defRPr>
+            </a:lvl9pPr>
+          </a:lstStyle>
+          <a:p>
+            <a:pPr algn="ctr"/>
+            <a:endParaRPr kumimoji="1" lang="ja-JP" altLang="en-US" sz="1400" b="1" smtClean="0">
+              <a:solidFill>
+                <a:srgbClr val="FF0000"/>
+              </a:solidFill>
+              <a:latin typeface="+mn-ea"/>
+            </a:endParaRPr>
+          </a:p>
+        </p:txBody>
+      </p:sp>
+      <p:sp>
+        <p:nvSpPr>
+          <p:cNvPr id="29" name="角丸四角形 28"/>
+          <p:cNvSpPr/>
+          <p:nvPr/>
+        </p:nvSpPr>
+        <p:spPr bwMode="auto">
+          <a:xfrm rot="10800000" flipV="1">
+            <a:off x="3136667" y="6126087"/>
+            <a:ext cx="4158486" cy="216030"/>
+          </a:xfrm>
+          <a:prstGeom prst="roundRect">
+            <a:avLst>
+              <a:gd name="adj" fmla="val 5764"/>
+            </a:avLst>
+          </a:prstGeom>
+          <a:noFill/>
+          <a:ln w="28575">
+            <a:solidFill>
+              <a:srgbClr val="FF0000"/>
+            </a:solidFill>
+          </a:ln>
+          <a:effectLst/>
+          <a:extLst/>
+        </p:spPr>
+        <p:txBody>
+          <a:bodyPr rot="0" spcFirstLastPara="0" vert="horz" wrap="none" lIns="72000" tIns="72000" rIns="72000" bIns="72000" numCol="1" spcCol="0" rtlCol="0" fromWordArt="0" anchor="ctr" anchorCtr="0" forceAA="0" compatLnSpc="1">
+            <a:prstTxWarp prst="textNoShape">
+              <a:avLst/>
+            </a:prstTxWarp>
+            <a:noAutofit/>
+          </a:bodyPr>
+          <a:lstStyle>
+            <a:defPPr>
+              <a:defRPr lang="ja-JP"/>
+            </a:defPPr>
+            <a:lvl1pPr marL="0" algn="l" defTabSz="914400" rtl="0" eaLnBrk="1" latinLnBrk="0" hangingPunct="1">
+              <a:defRPr kumimoji="1" sz="1800" kern="1200">
+                <a:solidFill>
+                  <a:schemeClr val="tx1"/>
+                </a:solidFill>
+                <a:latin typeface="+mn-lt"/>
+                <a:ea typeface="+mn-ea"/>
+                <a:cs typeface="+mn-cs"/>
+              </a:defRPr>
+            </a:lvl1pPr>
+            <a:lvl2pPr marL="457200" algn="l" defTabSz="914400" rtl="0" eaLnBrk="1" latinLnBrk="0" hangingPunct="1">
+              <a:defRPr kumimoji="1" sz="1800" kern="1200">
+                <a:solidFill>
+                  <a:schemeClr val="tx1"/>
+                </a:solidFill>
+                <a:latin typeface="+mn-lt"/>
+                <a:ea typeface="+mn-ea"/>
+                <a:cs typeface="+mn-cs"/>
+              </a:defRPr>
+            </a:lvl2pPr>
+            <a:lvl3pPr marL="914400" algn="l" defTabSz="914400" rtl="0" eaLnBrk="1" latinLnBrk="0" hangingPunct="1">
+              <a:defRPr kumimoji="1" sz="1800" kern="1200">
+                <a:solidFill>
+                  <a:schemeClr val="tx1"/>
+                </a:solidFill>
+                <a:latin typeface="+mn-lt"/>
+                <a:ea typeface="+mn-ea"/>
+                <a:cs typeface="+mn-cs"/>
+              </a:defRPr>
+            </a:lvl3pPr>
+            <a:lvl4pPr marL="1371600" algn="l" defTabSz="914400" rtl="0" eaLnBrk="1" latinLnBrk="0" hangingPunct="1">
+              <a:defRPr kumimoji="1" sz="1800" kern="1200">
+                <a:solidFill>
+                  <a:schemeClr val="tx1"/>
+                </a:solidFill>
+                <a:latin typeface="+mn-lt"/>
+                <a:ea typeface="+mn-ea"/>
+                <a:cs typeface="+mn-cs"/>
+              </a:defRPr>
+            </a:lvl4pPr>
+            <a:lvl5pPr marL="1828800" algn="l" defTabSz="914400" rtl="0" eaLnBrk="1" latinLnBrk="0" hangingPunct="1">
+              <a:defRPr kumimoji="1" sz="1800" kern="1200">
+                <a:solidFill>
+                  <a:schemeClr val="tx1"/>
+                </a:solidFill>
+                <a:latin typeface="+mn-lt"/>
+                <a:ea typeface="+mn-ea"/>
+                <a:cs typeface="+mn-cs"/>
+              </a:defRPr>
+            </a:lvl5pPr>
+            <a:lvl6pPr marL="2286000" algn="l" defTabSz="914400" rtl="0" eaLnBrk="1" latinLnBrk="0" hangingPunct="1">
+              <a:defRPr kumimoji="1" sz="1800" kern="1200">
+                <a:solidFill>
+                  <a:schemeClr val="tx1"/>
+                </a:solidFill>
+                <a:latin typeface="+mn-lt"/>
+                <a:ea typeface="+mn-ea"/>
+                <a:cs typeface="+mn-cs"/>
+              </a:defRPr>
+            </a:lvl6pPr>
+            <a:lvl7pPr marL="2743200" algn="l" defTabSz="914400" rtl="0" eaLnBrk="1" latinLnBrk="0" hangingPunct="1">
+              <a:defRPr kumimoji="1" sz="1800" kern="1200">
+                <a:solidFill>
+                  <a:schemeClr val="tx1"/>
+                </a:solidFill>
+                <a:latin typeface="+mn-lt"/>
+                <a:ea typeface="+mn-ea"/>
+                <a:cs typeface="+mn-cs"/>
+              </a:defRPr>
+            </a:lvl7pPr>
+            <a:lvl8pPr marL="3200400" algn="l" defTabSz="914400" rtl="0" eaLnBrk="1" latinLnBrk="0" hangingPunct="1">
+              <a:defRPr kumimoji="1" sz="1800" kern="1200">
+                <a:solidFill>
+                  <a:schemeClr val="tx1"/>
+                </a:solidFill>
+                <a:latin typeface="+mn-lt"/>
+                <a:ea typeface="+mn-ea"/>
+                <a:cs typeface="+mn-cs"/>
+              </a:defRPr>
+            </a:lvl8pPr>
+            <a:lvl9pPr marL="3657600" algn="l" defTabSz="914400" rtl="0" eaLnBrk="1" latinLnBrk="0" hangingPunct="1">
+              <a:defRPr kumimoji="1" sz="1800" kern="1200">
+                <a:solidFill>
+                  <a:schemeClr val="tx1"/>
+                </a:solidFill>
+                <a:latin typeface="+mn-lt"/>
+                <a:ea typeface="+mn-ea"/>
+                <a:cs typeface="+mn-cs"/>
+              </a:defRPr>
+            </a:lvl9pPr>
+          </a:lstStyle>
+          <a:p>
+            <a:pPr algn="ctr"/>
+            <a:endParaRPr kumimoji="1" lang="ja-JP" altLang="en-US" sz="1400" b="1" smtClean="0">
+              <a:solidFill>
+                <a:srgbClr val="FF0000"/>
+              </a:solidFill>
               <a:latin typeface="+mn-ea"/>
             </a:endParaRPr>
           </a:p>
@@ -10282,8 +10581,12 @@
               <a:t>　</a:t>
             </a:r>
             <a:r>
+              <a:rPr lang="en-US" altLang="ja-JP" dirty="0" smtClean="0"/>
+              <a:t>Create </a:t>
+            </a:r>
+            <a:r>
               <a:rPr lang="en-US" altLang="ja-JP" dirty="0"/>
-              <a:t>Input/Create Menu (</a:t>
+              <a:t>Menu (</a:t>
             </a:r>
             <a:r>
               <a:rPr lang="en-US" altLang="ja-JP" dirty="0" smtClean="0"/>
@@ -10323,7 +10626,11 @@
             </a:pPr>
             <a:r>
               <a:rPr kumimoji="1" lang="en-US" altLang="ja-JP" sz="1600" dirty="0" smtClean="0"/>
-              <a:t>Menu: Create Menu&gt; Create/Define menu.</a:t>
+              <a:t>Menu: </a:t>
+            </a:r>
+            <a:r>
+              <a:rPr kumimoji="1" lang="en-US" altLang="ja-JP" sz="1600" b="1" dirty="0" smtClean="0"/>
+              <a:t>Create Menu&gt; Create/Define menu.</a:t>
             </a:r>
             <a:endParaRPr lang="en-US" altLang="ja-JP" sz="1600" b="1" dirty="0" smtClean="0"/>
           </a:p>
@@ -11679,8 +11986,12 @@
               <a:t>　</a:t>
             </a:r>
             <a:r>
+              <a:rPr lang="en-US" altLang="ja-JP" dirty="0" smtClean="0"/>
+              <a:t>Create </a:t>
+            </a:r>
+            <a:r>
               <a:rPr lang="en-US" altLang="ja-JP" dirty="0"/>
-              <a:t>Input/Create Menu (</a:t>
+              <a:t>Menu (</a:t>
             </a:r>
             <a:r>
               <a:rPr lang="en-US" altLang="ja-JP" dirty="0" smtClean="0"/>
@@ -11724,9 +12035,12 @@
             </a:pPr>
             <a:r>
               <a:rPr lang="en-US" altLang="ja-JP" sz="1600" dirty="0" smtClean="0"/>
-              <a:t>Menu: Basic Server Settings&gt; Directory Settings</a:t>
-            </a:r>
-            <a:endParaRPr lang="en-US" altLang="ja-JP" sz="1600" b="1" dirty="0" smtClean="0"/>
+              <a:t>Menu: </a:t>
+            </a:r>
+            <a:r>
+              <a:rPr lang="en-US" altLang="ja-JP" sz="1600" b="1" dirty="0" smtClean="0"/>
+              <a:t>Basic Server Settings&gt; Directory Settings</a:t>
+            </a:r>
           </a:p>
           <a:p>
             <a:pPr marL="457200" indent="-457200">
@@ -12539,7 +12853,7 @@
           <p:nvPr>
             <p:extLst>
               <p:ext uri="{D42A27DB-BD31-4B8C-83A1-F6EECF244321}">
-                <p14:modId xmlns:p14="http://schemas.microsoft.com/office/powerpoint/2010/main" val="2282537132"/>
+                <p14:modId xmlns:p14="http://schemas.microsoft.com/office/powerpoint/2010/main" val="1731850488"/>
               </p:ext>
             </p:extLst>
           </p:nvPr>
@@ -12701,7 +13015,7 @@
                     <a:p>
                       <a:r>
                         <a:rPr kumimoji="1" lang="en-US" altLang="ja-JP" sz="1200" dirty="0" smtClean="0"/>
-                        <a:t>Arbitrary</a:t>
+                        <a:t>(Free)</a:t>
                       </a:r>
                       <a:endParaRPr kumimoji="1" lang="ja-JP" altLang="en-US" sz="1200" dirty="0"/>
                     </a:p>
@@ -12745,10 +13059,18 @@
                     <a:lstStyle/>
                     <a:p>
                       <a:r>
-                        <a:rPr kumimoji="1" lang="en-US" altLang="ja-JP" sz="1400" smtClean="0"/>
-                        <a:t>/tmp/work1</a:t>
+                        <a:rPr kumimoji="1" lang="en-US" altLang="ja-JP" sz="1400" dirty="0" smtClean="0"/>
+                        <a:t>/</a:t>
                       </a:r>
-                      <a:endParaRPr kumimoji="1" lang="ja-JP" altLang="en-US" sz="1400"/>
+                      <a:r>
+                        <a:rPr kumimoji="1" lang="en-US" altLang="ja-JP" sz="1400" dirty="0" err="1" smtClean="0"/>
+                        <a:t>tmp</a:t>
+                      </a:r>
+                      <a:r>
+                        <a:rPr kumimoji="1" lang="en-US" altLang="ja-JP" sz="1400" dirty="0" smtClean="0"/>
+                        <a:t>/work1</a:t>
+                      </a:r>
+                      <a:endParaRPr kumimoji="1" lang="ja-JP" altLang="en-US" sz="1400" dirty="0"/>
                     </a:p>
                   </a:txBody>
                   <a:tcPr/>
@@ -12957,14 +13279,14 @@
           <p:nvPr>
             <p:extLst>
               <p:ext uri="{D42A27DB-BD31-4B8C-83A1-F6EECF244321}">
-                <p14:modId xmlns:p14="http://schemas.microsoft.com/office/powerpoint/2010/main" val="1191383611"/>
+                <p14:modId xmlns:p14="http://schemas.microsoft.com/office/powerpoint/2010/main" val="3850468506"/>
               </p:ext>
             </p:extLst>
           </p:nvPr>
         </p:nvGraphicFramePr>
         <p:xfrm>
           <a:off x="823946" y="5695775"/>
-          <a:ext cx="7634034" cy="762000"/>
+          <a:ext cx="7634034" cy="914400"/>
         </p:xfrm>
         <a:graphic>
           <a:graphicData uri="http://schemas.openxmlformats.org/drawingml/2006/table">
@@ -13023,11 +13345,11 @@
                     <a:lstStyle/>
                     <a:p>
                       <a:r>
-                        <a:rPr kumimoji="1" lang="en-US" altLang="ja-JP" sz="1200" dirty="0" smtClean="0"/>
+                        <a:rPr kumimoji="1" lang="en-US" altLang="ja-JP" sz="1200" smtClean="0"/>
                         <a:t>Host</a:t>
                       </a:r>
                       <a:r>
-                        <a:rPr kumimoji="1" lang="en-US" altLang="ja-JP" sz="1200" baseline="0" dirty="0" smtClean="0"/>
+                        <a:rPr kumimoji="1" lang="en-US" altLang="ja-JP" sz="1200" baseline="0" smtClean="0"/>
                         <a:t> name</a:t>
                       </a:r>
                       <a:endParaRPr kumimoji="1" lang="ja-JP" altLang="en-US" sz="1200" dirty="0"/>
@@ -13041,7 +13363,7 @@
                     <a:lstStyle/>
                     <a:p>
                       <a:r>
-                        <a:rPr kumimoji="1" lang="en-US" altLang="ja-JP" sz="1200" dirty="0" smtClean="0"/>
+                        <a:rPr kumimoji="1" lang="en-US" altLang="ja-JP" sz="1200" smtClean="0"/>
                         <a:t>Operation</a:t>
                       </a:r>
                       <a:endParaRPr kumimoji="1" lang="ja-JP" altLang="en-US" sz="1200" dirty="0"/>
@@ -13117,10 +13439,29 @@
                     <a:bodyPr/>
                     <a:lstStyle/>
                     <a:p>
+                      <a:pPr marL="0" marR="0" lvl="0" indent="0" algn="l" defTabSz="914400" rtl="0" eaLnBrk="1" fontAlgn="auto" latinLnBrk="0" hangingPunct="1">
+                        <a:lnSpc>
+                          <a:spcPct val="100000"/>
+                        </a:lnSpc>
+                        <a:spcBef>
+                          <a:spcPts val="0"/>
+                        </a:spcBef>
+                        <a:spcAft>
+                          <a:spcPts val="0"/>
+                        </a:spcAft>
+                        <a:buClrTx/>
+                        <a:buSzTx/>
+                        <a:buFontTx/>
+                        <a:buNone/>
+                        <a:tabLst/>
+                        <a:defRPr/>
+                      </a:pPr>
                       <a:r>
                         <a:rPr kumimoji="1" lang="en-US" altLang="ja-JP" sz="1200" dirty="0" smtClean="0"/>
-                        <a:t>Arbitrary</a:t>
+                        <a:t>(Free)</a:t>
                       </a:r>
+                    </a:p>
+                    <a:p>
                       <a:endParaRPr kumimoji="1" lang="ja-JP" altLang="en-US" sz="1200" dirty="0"/>
                     </a:p>
                   </a:txBody>
@@ -13149,7 +13490,7 @@
                         <a:defRPr/>
                       </a:pPr>
                       <a:r>
-                        <a:rPr kumimoji="1" lang="en-US" altLang="ja-JP" sz="1200" dirty="0" smtClean="0"/>
+                        <a:rPr kumimoji="1" lang="en-US" altLang="ja-JP" sz="1200" smtClean="0"/>
                         <a:t>OP1</a:t>
                       </a:r>
                       <a:endParaRPr kumimoji="1" lang="ja-JP" altLang="en-US" sz="1200" dirty="0" smtClean="0"/>
@@ -13163,28 +13504,12 @@
                     <a:lstStyle/>
                     <a:p>
                       <a:r>
-                        <a:rPr kumimoji="1" lang="en-US" altLang="ja-JP" sz="1400" dirty="0" smtClean="0">
+                        <a:rPr kumimoji="1" lang="en-US" altLang="ja-JP" sz="1400" smtClean="0">
                           <a:solidFill>
                             <a:srgbClr val="FF0000"/>
                           </a:solidFill>
                         </a:rPr>
-                        <a:t>/</a:t>
-                      </a:r>
-                      <a:r>
-                        <a:rPr kumimoji="1" lang="en-US" altLang="ja-JP" sz="1400" dirty="0" err="1" smtClean="0">
-                          <a:solidFill>
-                            <a:srgbClr val="FF0000"/>
-                          </a:solidFill>
-                        </a:rPr>
-                        <a:t>tmp</a:t>
-                      </a:r>
-                      <a:r>
-                        <a:rPr kumimoji="1" lang="en-US" altLang="ja-JP" sz="1400" dirty="0" smtClean="0">
-                          <a:solidFill>
-                            <a:srgbClr val="FF0000"/>
-                          </a:solidFill>
-                        </a:rPr>
-                        <a:t>/work2</a:t>
+                        <a:t>/tmp/work2</a:t>
                       </a:r>
                       <a:endParaRPr kumimoji="1" lang="ja-JP" altLang="en-US" sz="1400" dirty="0">
                         <a:solidFill>
@@ -13459,7 +13784,11 @@
             </a:pPr>
             <a:r>
               <a:rPr lang="en-US" altLang="ja-JP" sz="1600" dirty="0" smtClean="0"/>
-              <a:t>Menu: Export/Import&gt; Export menu</a:t>
+              <a:t>Menu: </a:t>
+            </a:r>
+            <a:r>
+              <a:rPr lang="en-US" altLang="ja-JP" sz="1600" b="1" dirty="0" smtClean="0"/>
+              <a:t>Export/Import&gt; Export menu</a:t>
             </a:r>
             <a:endParaRPr lang="ja-JP" altLang="en-US" sz="1600" b="1" dirty="0" smtClean="0"/>
           </a:p>
@@ -14535,7 +14864,7 @@
       </p:grpSpPr>
       <p:pic>
         <p:nvPicPr>
-          <p:cNvPr id="4" name="図 3"/>
+          <p:cNvPr id="5" name="図 4"/>
           <p:cNvPicPr>
             <a:picLocks noChangeAspect="1"/>
           </p:cNvPicPr>
@@ -14549,8 +14878,8 @@
         </p:blipFill>
         <p:spPr>
           <a:xfrm>
-            <a:off x="270014" y="3316504"/>
-            <a:ext cx="7319072" cy="1304539"/>
+            <a:off x="196439" y="3414546"/>
+            <a:ext cx="8783842" cy="1355476"/>
           </a:xfrm>
           <a:prstGeom prst="rect">
             <a:avLst/>
@@ -14629,7 +14958,11 @@
             </a:pPr>
             <a:r>
               <a:rPr lang="en-US" altLang="ja-JP" sz="1600" dirty="0" smtClean="0"/>
-              <a:t>Menu: Export/Import&gt; Export/Import menu list</a:t>
+              <a:t>Menu: </a:t>
+            </a:r>
+            <a:r>
+              <a:rPr lang="en-US" altLang="ja-JP" sz="1600" b="1" dirty="0" smtClean="0"/>
+              <a:t>Export/Import&gt; Export/Import menu list</a:t>
             </a:r>
             <a:endParaRPr lang="ja-JP" altLang="en-US" sz="1600" b="1" dirty="0" smtClean="0"/>
           </a:p>
@@ -14681,8 +15014,8 @@
         </p:nvSpPr>
         <p:spPr bwMode="auto">
           <a:xfrm>
-            <a:off x="3203810" y="3717040"/>
-            <a:ext cx="1728240" cy="429716"/>
+            <a:off x="3281362" y="3918864"/>
+            <a:ext cx="1826885" cy="429716"/>
           </a:xfrm>
           <a:prstGeom prst="rect">
             <a:avLst/>
@@ -15334,8 +15667,8 @@
         </p:nvSpPr>
         <p:spPr bwMode="auto">
           <a:xfrm>
-            <a:off x="4211950" y="4279823"/>
-            <a:ext cx="288040" cy="315543"/>
+            <a:off x="4330604" y="4481647"/>
+            <a:ext cx="304481" cy="315543"/>
           </a:xfrm>
           <a:prstGeom prst="wedgeEllipseCallout">
             <a:avLst>
@@ -15425,7 +15758,7 @@
       </p:grpSpPr>
       <p:pic>
         <p:nvPicPr>
-          <p:cNvPr id="4" name="図 3"/>
+          <p:cNvPr id="5" name="図 4"/>
           <p:cNvPicPr>
             <a:picLocks noChangeAspect="1"/>
           </p:cNvPicPr>
@@ -15440,7 +15773,7 @@
         <p:spPr>
           <a:xfrm>
             <a:off x="88761" y="2492699"/>
-            <a:ext cx="6715550" cy="3177197"/>
+            <a:ext cx="4952753" cy="3384640"/>
           </a:xfrm>
           <a:prstGeom prst="rect">
             <a:avLst/>
@@ -15559,7 +15892,11 @@
             </a:pPr>
             <a:r>
               <a:rPr lang="en-US" altLang="ja-JP" sz="1600" dirty="0" smtClean="0"/>
-              <a:t>Menu: Export/Import&gt; Import Menu</a:t>
+              <a:t>Menu: </a:t>
+            </a:r>
+            <a:r>
+              <a:rPr lang="en-US" altLang="ja-JP" sz="1600" b="1" dirty="0" smtClean="0"/>
+              <a:t>Export/Import&gt; Import Menu</a:t>
             </a:r>
             <a:endParaRPr lang="ja-JP" altLang="en-US" sz="1600" b="1" dirty="0"/>
           </a:p>
@@ -15638,7 +15975,7 @@
         <p:spPr bwMode="auto">
           <a:xfrm>
             <a:off x="128620" y="2743210"/>
-            <a:ext cx="1512208" cy="397749"/>
+            <a:ext cx="1512208" cy="469760"/>
           </a:xfrm>
           <a:prstGeom prst="rect">
             <a:avLst/>
@@ -15770,8 +16107,8 @@
         </p:nvSpPr>
         <p:spPr bwMode="auto">
           <a:xfrm>
-            <a:off x="190282" y="3630141"/>
-            <a:ext cx="1512208" cy="230919"/>
+            <a:off x="144837" y="3933070"/>
+            <a:ext cx="682643" cy="177308"/>
           </a:xfrm>
           <a:prstGeom prst="rect">
             <a:avLst/>
@@ -17057,7 +17394,7 @@
       </p:grpSpPr>
       <p:pic>
         <p:nvPicPr>
-          <p:cNvPr id="4" name="図 3"/>
+          <p:cNvPr id="5" name="図 4"/>
           <p:cNvPicPr>
             <a:picLocks noChangeAspect="1"/>
           </p:cNvPicPr>
@@ -17071,8 +17408,8 @@
         </p:blipFill>
         <p:spPr>
           <a:xfrm>
-            <a:off x="187013" y="3514260"/>
-            <a:ext cx="7960088" cy="1413699"/>
+            <a:off x="205468" y="3516778"/>
+            <a:ext cx="8492744" cy="1411181"/>
           </a:xfrm>
           <a:prstGeom prst="rect">
             <a:avLst/>
@@ -17160,9 +17497,12 @@
             </a:pPr>
             <a:r>
               <a:rPr lang="en-US" altLang="ja-JP" sz="1600" dirty="0" smtClean="0"/>
-              <a:t>Menu: Export/Import&gt; Export/Import menu list</a:t>
-            </a:r>
-            <a:endParaRPr lang="en-US" altLang="ja-JP" sz="1600" b="1" dirty="0" smtClean="0"/>
+              <a:t>Menu: </a:t>
+            </a:r>
+            <a:r>
+              <a:rPr lang="en-US" altLang="ja-JP" sz="1600" b="1" dirty="0" smtClean="0"/>
+              <a:t>Export/Import&gt; Export/Import menu list</a:t>
+            </a:r>
           </a:p>
           <a:p>
             <a:pPr marL="342900" indent="-342900">
@@ -17219,7 +17559,7 @@
         </p:nvSpPr>
         <p:spPr bwMode="auto">
           <a:xfrm>
-            <a:off x="1187530" y="4005080"/>
+            <a:off x="1722080" y="4005080"/>
             <a:ext cx="504070" cy="374820"/>
           </a:xfrm>
           <a:prstGeom prst="rect">
@@ -17870,7 +18210,7 @@
       </p:grpSpPr>
       <p:pic>
         <p:nvPicPr>
-          <p:cNvPr id="6" name="図 5"/>
+          <p:cNvPr id="7" name="図 6"/>
           <p:cNvPicPr>
             <a:picLocks noChangeAspect="1"/>
           </p:cNvPicPr>
@@ -17884,8 +18224,8 @@
         </p:blipFill>
         <p:spPr>
           <a:xfrm>
-            <a:off x="539439" y="5291747"/>
-            <a:ext cx="6667147" cy="1238599"/>
+            <a:off x="582189" y="5298015"/>
+            <a:ext cx="5760800" cy="1151141"/>
           </a:xfrm>
           <a:prstGeom prst="rect">
             <a:avLst/>
@@ -17894,22 +18234,21 @@
       </p:pic>
       <p:pic>
         <p:nvPicPr>
-          <p:cNvPr id="4" name="図 3"/>
+          <p:cNvPr id="5" name="図 4"/>
           <p:cNvPicPr>
             <a:picLocks noChangeAspect="1"/>
           </p:cNvPicPr>
           <p:nvPr/>
         </p:nvPicPr>
-        <p:blipFill>
+        <p:blipFill rotWithShape="1">
           <a:blip r:embed="rId3"/>
-          <a:stretch>
-            <a:fillRect/>
-          </a:stretch>
+          <a:srcRect b="28581"/>
+          <a:stretch/>
         </p:blipFill>
         <p:spPr>
           <a:xfrm>
-            <a:off x="277248" y="3054004"/>
-            <a:ext cx="7679222" cy="1090672"/>
+            <a:off x="446076" y="2962295"/>
+            <a:ext cx="6521327" cy="1042786"/>
           </a:xfrm>
           <a:prstGeom prst="rect">
             <a:avLst/>
@@ -17989,7 +18328,11 @@
             </a:pPr>
             <a:r>
               <a:rPr lang="en-US" altLang="ja-JP" dirty="0" smtClean="0"/>
-              <a:t>Menu: Server Basic Settings&gt; Directory settings.</a:t>
+              <a:t>Menu: </a:t>
+            </a:r>
+            <a:r>
+              <a:rPr lang="en-US" altLang="ja-JP" b="1" dirty="0" smtClean="0"/>
+              <a:t>Server Basic Settings&gt; Directory settings.</a:t>
             </a:r>
             <a:endParaRPr lang="en-US" altLang="ja-JP" b="1" dirty="0"/>
           </a:p>
@@ -18529,8 +18872,8 @@
         </p:nvSpPr>
         <p:spPr bwMode="auto">
           <a:xfrm>
-            <a:off x="6804309" y="3399247"/>
-            <a:ext cx="1080151" cy="463846"/>
+            <a:off x="5909459" y="3251764"/>
+            <a:ext cx="1080151" cy="537285"/>
           </a:xfrm>
           <a:prstGeom prst="rect">
             <a:avLst/>
@@ -18744,7 +19087,7 @@
         </p:nvSpPr>
         <p:spPr bwMode="auto">
           <a:xfrm>
-            <a:off x="582189" y="5565720"/>
+            <a:off x="623642" y="5565720"/>
             <a:ext cx="605341" cy="167600"/>
           </a:xfrm>
           <a:prstGeom prst="rect">
@@ -19078,7 +19421,7 @@
                   <a:schemeClr val="tx1"/>
                 </a:solidFill>
               </a:rPr>
-              <a:t>Table of contents	</a:t>
+              <a:t>Table of contents</a:t>
             </a:r>
             <a:endParaRPr kumimoji="1" lang="ja-JP" altLang="en-US" sz="3600" dirty="0">
               <a:solidFill>
@@ -19139,19 +19482,6 @@
               </a:rPr>
               <a:t>About this document</a:t>
             </a:r>
-            <a:endParaRPr lang="en-US" altLang="ja-JP" sz="2000" dirty="0" smtClean="0"/>
-          </a:p>
-          <a:p>
-            <a:pPr marL="800100" lvl="1" indent="-342900">
-              <a:buFont typeface="+mj-lt"/>
-              <a:buAutoNum type="arabicPeriod"/>
-            </a:pPr>
-            <a:r>
-              <a:rPr lang="en-US" altLang="ja-JP" sz="2000" dirty="0" smtClean="0">
-                <a:hlinkClick r:id="rId3" action="ppaction://hlinksldjump"/>
-              </a:rPr>
-              <a:t>Work Environment</a:t>
-            </a:r>
             <a:r>
               <a:rPr lang="en-US" altLang="ja-JP" sz="2000" dirty="0"/>
               <a:t/>
@@ -19167,12 +19497,22 @@
               <a:buAutoNum type="arabicPeriod"/>
             </a:pPr>
             <a:r>
-              <a:rPr lang="en-US" altLang="ja-JP" sz="2000" dirty="0" smtClean="0">
-                <a:hlinkClick r:id="rId4" action="ppaction://hlinksldjump"/>
-              </a:rPr>
-              <a:t>Practice 1. Menu export</a:t>
-            </a:r>
-            <a:endParaRPr lang="en-US" altLang="ja-JP" sz="2000" dirty="0"/>
+              <a:rPr lang="en-US" altLang="ja-JP" sz="2000" dirty="0" smtClean="0"/>
+              <a:t>Scenario </a:t>
+            </a:r>
+            <a:r>
+              <a:rPr lang="ja-JP" altLang="en-US" sz="2000" dirty="0" smtClean="0"/>
+              <a:t>①</a:t>
+            </a:r>
+            <a:r>
+              <a:rPr lang="ja-JP" altLang="en-US" sz="2000" dirty="0"/>
+              <a:t>　</a:t>
+            </a:r>
+            <a:r>
+              <a:rPr lang="en-US" altLang="ja-JP" sz="2000" dirty="0" smtClean="0"/>
+              <a:t>Menu export/import</a:t>
+            </a:r>
+            <a:endParaRPr lang="en-US" altLang="ja-JP" sz="2000" dirty="0" smtClean="0"/>
           </a:p>
           <a:p>
             <a:pPr marL="914400" lvl="1" indent="-457200">
@@ -19181,9 +19521,9 @@
             </a:pPr>
             <a:r>
               <a:rPr lang="en-US" altLang="ja-JP" sz="2000" dirty="0" smtClean="0">
-                <a:hlinkClick r:id="rId5" action="ppaction://hlinksldjump"/>
+                <a:hlinkClick r:id="rId3" action="ppaction://hlinksldjump"/>
               </a:rPr>
-              <a:t>Work procedure</a:t>
+              <a:t>Environment</a:t>
             </a:r>
             <a:endParaRPr lang="en-US" altLang="ja-JP" sz="2000" dirty="0" smtClean="0"/>
           </a:p>
@@ -19194,10 +19534,11 @@
             </a:pPr>
             <a:r>
               <a:rPr lang="en-US" altLang="ja-JP" sz="2000" dirty="0" smtClean="0">
-                <a:hlinkClick r:id="rId6" action="ppaction://hlinksldjump"/>
+                <a:hlinkClick r:id="rId4" action="ppaction://hlinksldjump"/>
               </a:rPr>
-              <a:t>Data registration</a:t>
-            </a:r>
+              <a:t>Export/Import procedure</a:t>
+            </a:r>
+            <a:endParaRPr lang="en-US" altLang="ja-JP" sz="2000" dirty="0"/>
           </a:p>
           <a:p>
             <a:pPr marL="914400" lvl="1" indent="-457200">
@@ -19206,11 +19547,13 @@
             </a:pPr>
             <a:r>
               <a:rPr lang="en-US" altLang="ja-JP" sz="2000" dirty="0" smtClean="0">
-                <a:hlinkClick r:id="rId6" action="ppaction://hlinksldjump"/>
+                <a:hlinkClick r:id="rId5" action="ppaction://hlinksldjump"/>
               </a:rPr>
-              <a:t>Input/Create Menu</a:t>
-            </a:r>
-            <a:endParaRPr lang="en-US" altLang="ja-JP" sz="2000" dirty="0" smtClean="0"/>
+              <a:t>Data registration</a:t>
+            </a:r>
+            <a:endParaRPr lang="en-US" altLang="ja-JP" sz="2000" dirty="0">
+              <a:hlinkClick r:id="rId5" action="ppaction://hlinksldjump"/>
+            </a:endParaRPr>
           </a:p>
           <a:p>
             <a:pPr marL="914400" lvl="1" indent="-457200">
@@ -19219,11 +19562,11 @@
             </a:pPr>
             <a:r>
               <a:rPr lang="en-US" altLang="ja-JP" sz="2000" dirty="0" smtClean="0">
-                <a:hlinkClick r:id="rId7" action="ppaction://hlinksldjump"/>
+                <a:hlinkClick r:id="rId6" action="ppaction://hlinksldjump"/>
               </a:rPr>
-              <a:t>Export</a:t>
-            </a:r>
-            <a:endParaRPr lang="en-US" altLang="ja-JP" sz="2000" dirty="0"/>
+              <a:t>Create menu</a:t>
+            </a:r>
+            <a:endParaRPr lang="en-US" altLang="ja-JP" sz="2000" dirty="0" smtClean="0"/>
           </a:p>
           <a:p>
             <a:pPr marL="914400" lvl="1" indent="-457200">
@@ -19232,10 +19575,146 @@
             </a:pPr>
             <a:r>
               <a:rPr lang="en-US" altLang="ja-JP" sz="2000" dirty="0" smtClean="0">
+                <a:hlinkClick r:id="rId7" action="ppaction://hlinksldjump"/>
+              </a:rPr>
+              <a:t>Export menu</a:t>
+            </a:r>
+            <a:endParaRPr lang="en-US" altLang="ja-JP" sz="2000" dirty="0" smtClean="0"/>
+          </a:p>
+          <a:p>
+            <a:pPr marL="914400" lvl="1" indent="-457200">
+              <a:buFont typeface="+mj-lt"/>
+              <a:buAutoNum type="arabicPeriod"/>
+            </a:pPr>
+            <a:r>
+              <a:rPr lang="en-US" altLang="ja-JP" sz="2000" dirty="0" smtClean="0">
                 <a:hlinkClick r:id="rId8" action="ppaction://hlinksldjump"/>
               </a:rPr>
-              <a:t>Import</a:t>
-            </a:r>
+              <a:t>Import menu</a:t>
+            </a:r>
+            <a:endParaRPr lang="en-US" altLang="ja-JP" sz="2000" dirty="0" smtClean="0"/>
+          </a:p>
+          <a:p>
+            <a:pPr lvl="1"/>
+            <a:endParaRPr lang="en-US" altLang="ja-JP" sz="2000" dirty="0" smtClean="0"/>
+          </a:p>
+          <a:p>
+            <a:r>
+              <a:rPr lang="en-US" altLang="ja-JP" sz="2000" dirty="0" smtClean="0"/>
+              <a:t>3.</a:t>
+            </a:r>
+            <a:r>
+              <a:rPr lang="ja-JP" altLang="en-US" sz="2000" dirty="0"/>
+              <a:t> </a:t>
+            </a:r>
+            <a:r>
+              <a:rPr lang="en-US" altLang="ja-JP" sz="2000" dirty="0" smtClean="0"/>
+              <a:t>Scenario </a:t>
+            </a:r>
+            <a:r>
+              <a:rPr lang="ja-JP" altLang="en-US" sz="2000" dirty="0" smtClean="0"/>
+              <a:t>②</a:t>
+            </a:r>
+            <a:r>
+              <a:rPr lang="ja-JP" altLang="en-US" sz="2000" dirty="0"/>
+              <a:t>　</a:t>
+            </a:r>
+            <a:r>
+              <a:rPr lang="en-US" altLang="ja-JP" sz="2000" dirty="0" smtClean="0"/>
+              <a:t>Excel bulk export/import</a:t>
+            </a:r>
+            <a:endParaRPr lang="en-US" altLang="ja-JP" sz="2000" dirty="0" smtClean="0"/>
+          </a:p>
+          <a:p>
+            <a:pPr marL="914400" lvl="1" indent="-457200">
+              <a:buFont typeface="+mj-lt"/>
+              <a:buAutoNum type="arabicPeriod"/>
+            </a:pPr>
+            <a:r>
+              <a:rPr lang="en-US" altLang="ja-JP" sz="2000" dirty="0" smtClean="0">
+                <a:hlinkClick r:id="rId9" action="ppaction://hlinksldjump"/>
+              </a:rPr>
+              <a:t>Environment</a:t>
+            </a:r>
+            <a:endParaRPr lang="en-US" altLang="ja-JP" sz="2000" dirty="0">
+              <a:hlinkClick r:id="rId5" action="ppaction://hlinksldjump"/>
+            </a:endParaRPr>
+          </a:p>
+          <a:p>
+            <a:pPr marL="914400" lvl="1" indent="-457200">
+              <a:buFont typeface="+mj-lt"/>
+              <a:buAutoNum type="arabicPeriod"/>
+            </a:pPr>
+            <a:r>
+              <a:rPr lang="en-US" altLang="ja-JP" sz="2000" dirty="0" smtClean="0">
+                <a:hlinkClick r:id="rId10" action="ppaction://hlinksldjump"/>
+              </a:rPr>
+              <a:t>Excel bulk export/import procedure</a:t>
+            </a:r>
+            <a:endParaRPr lang="en-US" altLang="ja-JP" sz="2000" dirty="0"/>
+          </a:p>
+          <a:p>
+            <a:pPr marL="914400" lvl="1" indent="-457200">
+              <a:buFont typeface="+mj-lt"/>
+              <a:buAutoNum type="arabicPeriod"/>
+            </a:pPr>
+            <a:r>
+              <a:rPr lang="en-US" altLang="ja-JP" sz="2000" dirty="0" smtClean="0">
+                <a:hlinkClick r:id="rId11" action="ppaction://hlinksldjump"/>
+              </a:rPr>
+              <a:t>Excel bulk export</a:t>
+            </a:r>
+            <a:endParaRPr lang="en-US" altLang="ja-JP" sz="2000" dirty="0" smtClean="0"/>
+          </a:p>
+          <a:p>
+            <a:pPr marL="914400" lvl="1" indent="-457200">
+              <a:buFont typeface="+mj-lt"/>
+              <a:buAutoNum type="arabicPeriod"/>
+            </a:pPr>
+            <a:r>
+              <a:rPr lang="en-US" altLang="ja-JP" sz="2000" dirty="0" smtClean="0">
+                <a:hlinkClick r:id="rId12" action="ppaction://hlinksldjump"/>
+              </a:rPr>
+              <a:t>Excel file edit</a:t>
+            </a:r>
+            <a:endParaRPr lang="en-US" altLang="ja-JP" sz="2000" dirty="0"/>
+          </a:p>
+          <a:p>
+            <a:pPr marL="914400" lvl="1" indent="-457200">
+              <a:buFont typeface="+mj-lt"/>
+              <a:buAutoNum type="arabicPeriod"/>
+            </a:pPr>
+            <a:r>
+              <a:rPr lang="en-US" altLang="ja-JP" sz="2000" dirty="0" smtClean="0">
+                <a:hlinkClick r:id="rId13" action="ppaction://hlinksldjump"/>
+              </a:rPr>
+              <a:t>Excel bulk import</a:t>
+            </a:r>
+            <a:endParaRPr lang="en-US" altLang="ja-JP" sz="2000" dirty="0"/>
+          </a:p>
+          <a:p>
+            <a:endParaRPr lang="en-US" altLang="ja-JP" dirty="0"/>
+          </a:p>
+          <a:p>
+            <a:endParaRPr lang="en-US" altLang="ja-JP" sz="2000" dirty="0" smtClean="0"/>
+          </a:p>
+          <a:p>
+            <a:r>
+              <a:rPr lang="ja-JP" altLang="en-US" sz="2000" dirty="0"/>
+              <a:t>　</a:t>
+            </a:r>
+            <a:r>
+              <a:rPr lang="ja-JP" altLang="en-US" sz="2000" dirty="0" smtClean="0"/>
+              <a:t>　</a:t>
+            </a:r>
+            <a:endParaRPr lang="en-US" altLang="ja-JP" sz="2000" dirty="0"/>
+          </a:p>
+          <a:p>
+            <a:pPr lvl="1"/>
+            <a:endParaRPr lang="en-US" altLang="ja-JP" sz="2000" dirty="0"/>
+          </a:p>
+          <a:p>
+            <a:pPr lvl="1"/>
             <a:r>
               <a:rPr lang="en-US" altLang="ja-JP" sz="2000" dirty="0" smtClean="0"/>
               <a:t/>
@@ -19244,71 +19723,6 @@
               <a:rPr lang="en-US" altLang="ja-JP" sz="2000" dirty="0" smtClean="0"/>
             </a:br>
             <a:endParaRPr lang="en-US" altLang="ja-JP" sz="2000" dirty="0"/>
-          </a:p>
-          <a:p>
-            <a:pPr marL="342900" indent="-342900">
-              <a:buFont typeface="+mj-lt"/>
-              <a:buAutoNum type="arabicPeriod"/>
-            </a:pPr>
-            <a:r>
-              <a:rPr lang="en-US" altLang="ja-JP" sz="2000" dirty="0" smtClean="0">
-                <a:hlinkClick r:id="rId9" action="ppaction://hlinksldjump"/>
-              </a:rPr>
-              <a:t>Practice 2. Symphony/Operation export</a:t>
-            </a:r>
-            <a:endParaRPr lang="en-US" altLang="ja-JP" sz="2000" dirty="0" smtClean="0"/>
-          </a:p>
-          <a:p>
-            <a:pPr marL="914400" lvl="1" indent="-457200">
-              <a:buFont typeface="+mj-lt"/>
-              <a:buAutoNum type="arabicPeriod"/>
-            </a:pPr>
-            <a:r>
-              <a:rPr lang="en-US" altLang="ja-JP" sz="2000" dirty="0" smtClean="0">
-                <a:hlinkClick r:id="rId10" action="ppaction://hlinksldjump"/>
-              </a:rPr>
-              <a:t>Work procedure</a:t>
-            </a:r>
-            <a:endParaRPr lang="en-US" altLang="ja-JP" sz="2000" dirty="0" smtClean="0"/>
-          </a:p>
-          <a:p>
-            <a:pPr marL="914400" lvl="1" indent="-457200">
-              <a:buFont typeface="+mj-lt"/>
-              <a:buAutoNum type="arabicPeriod"/>
-            </a:pPr>
-            <a:r>
-              <a:rPr lang="en-US" altLang="ja-JP" sz="2000" dirty="0" smtClean="0">
-                <a:hlinkClick r:id="rId11" action="ppaction://hlinksldjump"/>
-              </a:rPr>
-              <a:t>Data registration</a:t>
-            </a:r>
-            <a:endParaRPr lang="en-US" altLang="ja-JP" sz="2000" dirty="0" smtClean="0"/>
-          </a:p>
-          <a:p>
-            <a:pPr marL="914400" lvl="1" indent="-457200">
-              <a:buFont typeface="+mj-lt"/>
-              <a:buAutoNum type="arabicPeriod"/>
-            </a:pPr>
-            <a:r>
-              <a:rPr lang="en-US" altLang="ja-JP" sz="2000" dirty="0" smtClean="0">
-                <a:hlinkClick r:id="rId12" action="ppaction://hlinksldjump"/>
-              </a:rPr>
-              <a:t>Export</a:t>
-            </a:r>
-            <a:endParaRPr lang="en-US" altLang="ja-JP" sz="2000" dirty="0" smtClean="0"/>
-          </a:p>
-          <a:p>
-            <a:pPr marL="914400" lvl="1" indent="-457200">
-              <a:buFont typeface="+mj-lt"/>
-              <a:buAutoNum type="arabicPeriod"/>
-            </a:pPr>
-            <a:r>
-              <a:rPr lang="en-US" altLang="ja-JP" sz="2000" dirty="0" smtClean="0">
-                <a:hlinkClick r:id="" action="ppaction://noaction"/>
-              </a:rPr>
-              <a:t>Import</a:t>
-            </a:r>
-            <a:endParaRPr lang="en-US" altLang="ja-JP" sz="2000" dirty="0" smtClean="0"/>
           </a:p>
           <a:p>
             <a:pPr marL="914400" lvl="1" indent="-457200">
@@ -19318,6 +19732,10 @@
             <a:endParaRPr lang="en-US" altLang="ja-JP" sz="2000" dirty="0" smtClean="0"/>
           </a:p>
           <a:p>
+            <a:pPr lvl="1"/>
+            <a:endParaRPr lang="en-US" altLang="ja-JP" sz="2000" dirty="0" smtClean="0"/>
+          </a:p>
+          <a:p>
             <a:pPr marL="800100" lvl="1" indent="-342900">
               <a:buFont typeface="+mj-lt"/>
               <a:buAutoNum type="arabicPeriod"/>
@@ -19329,7 +19747,7 @@
     </p:spTree>
     <p:extLst>
       <p:ext uri="{BB962C8B-B14F-4D97-AF65-F5344CB8AC3E}">
-        <p14:creationId xmlns:p14="http://schemas.microsoft.com/office/powerpoint/2010/main" val="2091656052"/>
+        <p14:creationId xmlns:p14="http://schemas.microsoft.com/office/powerpoint/2010/main" val="3443805521"/>
       </p:ext>
     </p:extLst>
   </p:cSld>
@@ -19525,8 +19943,13 @@
             </a:r>
             <a:r>
               <a:rPr lang="en-US" altLang="ja-JP" sz="1600" dirty="0" smtClean="0"/>
-              <a:t>ITA 1.8.0</a:t>
-            </a:r>
+              <a:t>ITA </a:t>
+            </a:r>
+            <a:r>
+              <a:rPr lang="en-US" altLang="ja-JP" sz="1600" dirty="0" smtClean="0"/>
+              <a:t>1.9.0</a:t>
+            </a:r>
+            <a:endParaRPr lang="en-US" altLang="ja-JP" sz="1600" dirty="0" smtClean="0"/>
           </a:p>
           <a:p>
             <a:pPr indent="0">
@@ -19537,16 +19960,12 @@
               <a:t>                                        ・</a:t>
             </a:r>
             <a:r>
-              <a:rPr lang="en-US" altLang="ja-JP" sz="1600" dirty="0" err="1" smtClean="0"/>
-              <a:t>Ansible</a:t>
-            </a:r>
-            <a:r>
               <a:rPr lang="en-US" altLang="ja-JP" sz="1600" dirty="0" smtClean="0"/>
-              <a:t> </a:t>
-            </a:r>
-            <a:r>
-              <a:rPr lang="en-US" altLang="ja-JP" sz="1600" dirty="0"/>
-              <a:t>2.11.2 </a:t>
+              <a:t>Ansible </a:t>
+            </a:r>
+            <a:r>
+              <a:rPr lang="en-US" altLang="ja-JP" sz="1600" dirty="0" smtClean="0"/>
+              <a:t>2.11.7 </a:t>
             </a:r>
             <a:r>
               <a:rPr lang="ja-JP" altLang="en-US" sz="1600" dirty="0" smtClean="0"/>
@@ -19769,7 +20188,7 @@
                   <a:rPr lang="en-US" altLang="ja-JP" sz="1200" dirty="0" smtClean="0">
                     <a:latin typeface="+mn-ea"/>
                   </a:rPr>
-                  <a:t>1.8.0</a:t>
+                  <a:t>1.9.0</a:t>
                 </a:r>
                 <a:endParaRPr kumimoji="1" lang="ja-JP" altLang="en-US" sz="1200" dirty="0" smtClean="0">
                   <a:latin typeface="+mn-ea"/>
@@ -19839,20 +20258,11 @@
                   <a:rPr kumimoji="1" lang="en-US" altLang="ja-JP" sz="1200" dirty="0" smtClean="0">
                     <a:latin typeface="+mn-ea"/>
                   </a:rPr>
-                  <a:t>2</a:t>
+                  <a:t>2.11.7</a:t>
                 </a:r>
-                <a:r>
-                  <a:rPr lang="en-US" altLang="ja-JP" sz="1200" dirty="0" smtClean="0">
-                    <a:latin typeface="+mn-ea"/>
-                  </a:rPr>
-                  <a:t>.11</a:t>
-                </a:r>
-                <a:r>
-                  <a:rPr kumimoji="1" lang="en-US" altLang="ja-JP" sz="1200" dirty="0" smtClean="0">
-                    <a:latin typeface="+mn-ea"/>
-                  </a:rPr>
-                  <a:t>.2</a:t>
-                </a:r>
+                <a:endParaRPr kumimoji="1" lang="en-US" altLang="ja-JP" sz="1200" dirty="0" smtClean="0">
+                  <a:latin typeface="+mn-ea"/>
+                </a:endParaRPr>
               </a:p>
             </p:txBody>
           </p:sp>
@@ -22463,9 +22873,9 @@
         <p:grpSpPr>
           <a:xfrm>
             <a:off x="324000" y="3600000"/>
-            <a:ext cx="8286530" cy="944503"/>
+            <a:ext cx="8286530" cy="795600"/>
             <a:chOff x="360000" y="2998717"/>
-            <a:chExt cx="8286530" cy="944503"/>
+            <a:chExt cx="8286530" cy="795600"/>
           </a:xfrm>
         </p:grpSpPr>
         <p:grpSp>
@@ -22590,7 +23000,7 @@
             <p:spPr>
               <a:xfrm>
                 <a:off x="471865" y="4714467"/>
-                <a:ext cx="4248590" cy="307776"/>
+                <a:ext cx="4248590" cy="181045"/>
               </a:xfrm>
               <a:prstGeom prst="rect">
                 <a:avLst/>
@@ -22607,12 +23017,13 @@
               <a:p>
                 <a:r>
                   <a:rPr lang="en-US" altLang="ja-JP" sz="1400" b="1" dirty="0" smtClean="0"/>
-                  <a:t>3. Extract files, edit and save them</a:t>
+                  <a:t>3. Extract files, edit and save </a:t>
+                </a:r>
+                <a:r>
+                  <a:rPr lang="en-US" altLang="ja-JP" sz="1400" b="1" dirty="0" smtClean="0"/>
+                  <a:t>them</a:t>
                 </a:r>
                 <a:endParaRPr lang="ja-JP" altLang="en-US" sz="1400" b="1" dirty="0"/>
-              </a:p>
-              <a:p>
-                <a:endParaRPr kumimoji="1" lang="ja-JP" altLang="en-US" sz="1400" b="1" dirty="0"/>
               </a:p>
             </p:txBody>
           </p:sp>
@@ -22626,7 +23037,7 @@
           <p:spPr>
             <a:xfrm>
               <a:off x="453600" y="3420000"/>
-              <a:ext cx="4248590" cy="523220"/>
+              <a:ext cx="4248590" cy="307777"/>
             </a:xfrm>
             <a:prstGeom prst="rect">
               <a:avLst/>
@@ -22651,12 +23062,13 @@
               </a:r>
               <a:r>
                 <a:rPr lang="en-US" altLang="ja-JP" sz="1400" b="1" dirty="0" smtClean="0"/>
-                <a:t>Re-zip edited files</a:t>
+                <a:t>Re-zip edited </a:t>
+              </a:r>
+              <a:r>
+                <a:rPr lang="en-US" altLang="ja-JP" sz="1400" b="1" dirty="0" smtClean="0"/>
+                <a:t>files</a:t>
               </a:r>
               <a:endParaRPr lang="ja-JP" altLang="en-US" sz="1400" b="1" dirty="0"/>
-            </a:p>
-            <a:p>
-              <a:endParaRPr kumimoji="1" lang="ja-JP" altLang="en-US" sz="1400" b="1" dirty="0"/>
             </a:p>
           </p:txBody>
         </p:sp>
@@ -23896,23 +24308,6 @@
                     <a:cs typeface="+mn-cs"/>
                   </a:rPr>
                   <a:t>Download Zip file</a:t>
-                </a:r>
-                <a:r>
-                  <a:rPr kumimoji="1" lang="en-US" altLang="ja-JP" sz="900" b="1" i="0" u="none" strike="noStrike" kern="1200" cap="none" spc="0" normalizeH="0" baseline="0" noProof="0" dirty="0" smtClean="0">
-                    <a:ln>
-                      <a:noFill/>
-                    </a:ln>
-                    <a:solidFill>
-                      <a:srgbClr val="000000"/>
-                    </a:solidFill>
-                    <a:effectLst/>
-                    <a:uLnTx/>
-                    <a:uFillTx/>
-                    <a:latin typeface="メイリオ"/>
-                    <a:ea typeface="メイリオ"/>
-                    <a:cs typeface="+mn-cs"/>
-                  </a:rPr>
-                  <a:t/>
                 </a:r>
                 <a:br>
                   <a:rPr kumimoji="1" lang="en-US" altLang="ja-JP" sz="900" b="1" i="0" u="none" strike="noStrike" kern="1200" cap="none" spc="0" normalizeH="0" baseline="0" noProof="0" dirty="0" smtClean="0">
@@ -24971,23 +25366,6 @@
                   </a:rPr>
                   <a:t>Download Zip file</a:t>
                 </a:r>
-                <a:r>
-                  <a:rPr kumimoji="1" lang="en-US" altLang="ja-JP" sz="900" b="1" i="0" u="none" strike="noStrike" kern="1200" cap="none" spc="0" normalizeH="0" baseline="0" noProof="0" dirty="0" smtClean="0">
-                    <a:ln>
-                      <a:noFill/>
-                    </a:ln>
-                    <a:solidFill>
-                      <a:srgbClr val="000000"/>
-                    </a:solidFill>
-                    <a:effectLst/>
-                    <a:uLnTx/>
-                    <a:uFillTx/>
-                    <a:latin typeface="メイリオ"/>
-                    <a:ea typeface="メイリオ"/>
-                    <a:cs typeface="+mn-cs"/>
-                  </a:rPr>
-                  <a:t/>
-                </a:r>
                 <a:br>
                   <a:rPr kumimoji="1" lang="en-US" altLang="ja-JP" sz="900" b="1" i="0" u="none" strike="noStrike" kern="1200" cap="none" spc="0" normalizeH="0" baseline="0" noProof="0" dirty="0" smtClean="0">
                     <a:ln>
@@ -25952,23 +26330,6 @@
                     <a:cs typeface="+mn-cs"/>
                   </a:rPr>
                   <a:t>Download Zip file</a:t>
-                </a:r>
-                <a:r>
-                  <a:rPr kumimoji="1" lang="en-US" altLang="ja-JP" sz="900" b="1" i="0" u="none" strike="noStrike" kern="1200" cap="none" spc="0" normalizeH="0" baseline="0" noProof="0" dirty="0" smtClean="0">
-                    <a:ln>
-                      <a:noFill/>
-                    </a:ln>
-                    <a:solidFill>
-                      <a:srgbClr val="000000"/>
-                    </a:solidFill>
-                    <a:effectLst/>
-                    <a:uLnTx/>
-                    <a:uFillTx/>
-                    <a:latin typeface="メイリオ"/>
-                    <a:ea typeface="メイリオ"/>
-                    <a:cs typeface="+mn-cs"/>
-                  </a:rPr>
-                  <a:t/>
                 </a:r>
                 <a:br>
                   <a:rPr kumimoji="1" lang="en-US" altLang="ja-JP" sz="900" b="1" i="0" u="none" strike="noStrike" kern="1200" cap="none" spc="0" normalizeH="0" baseline="0" noProof="0" dirty="0" smtClean="0">
@@ -27138,23 +27499,6 @@
                     <a:cs typeface="+mn-cs"/>
                   </a:rPr>
                   <a:t>Download Zip file</a:t>
-                </a:r>
-                <a:r>
-                  <a:rPr kumimoji="1" lang="en-US" altLang="ja-JP" sz="900" b="1" i="0" u="none" strike="noStrike" kern="1200" cap="none" spc="0" normalizeH="0" baseline="0" noProof="0" dirty="0" smtClean="0">
-                    <a:ln>
-                      <a:noFill/>
-                    </a:ln>
-                    <a:solidFill>
-                      <a:srgbClr val="000000"/>
-                    </a:solidFill>
-                    <a:effectLst/>
-                    <a:uLnTx/>
-                    <a:uFillTx/>
-                    <a:latin typeface="メイリオ"/>
-                    <a:ea typeface="メイリオ"/>
-                    <a:cs typeface="+mn-cs"/>
-                  </a:rPr>
-                  <a:t/>
                 </a:r>
                 <a:br>
                   <a:rPr kumimoji="1" lang="en-US" altLang="ja-JP" sz="900" b="1" i="0" u="none" strike="noStrike" kern="1200" cap="none" spc="0" normalizeH="0" baseline="0" noProof="0" dirty="0" smtClean="0">
@@ -28689,23 +29033,6 @@
                   </a:rPr>
                   <a:t>Download Zip file</a:t>
                 </a:r>
-                <a:r>
-                  <a:rPr kumimoji="1" lang="en-US" altLang="ja-JP" sz="900" b="1" i="0" u="none" strike="noStrike" kern="1200" cap="none" spc="0" normalizeH="0" baseline="0" noProof="0" dirty="0" smtClean="0">
-                    <a:ln>
-                      <a:noFill/>
-                    </a:ln>
-                    <a:solidFill>
-                      <a:srgbClr val="000000"/>
-                    </a:solidFill>
-                    <a:effectLst/>
-                    <a:uLnTx/>
-                    <a:uFillTx/>
-                    <a:latin typeface="メイリオ"/>
-                    <a:ea typeface="メイリオ"/>
-                    <a:cs typeface="+mn-cs"/>
-                  </a:rPr>
-                  <a:t/>
-                </a:r>
                 <a:br>
                   <a:rPr kumimoji="1" lang="en-US" altLang="ja-JP" sz="900" b="1" i="0" u="none" strike="noStrike" kern="1200" cap="none" spc="0" normalizeH="0" baseline="0" noProof="0" dirty="0" smtClean="0">
                     <a:ln>
@@ -30742,11 +31069,7 @@
             </a:r>
             <a:r>
               <a:rPr lang="en-US" altLang="ja-JP" sz="1600" b="1" dirty="0" smtClean="0"/>
-              <a:t> Excel export/import </a:t>
-            </a:r>
-            <a:r>
-              <a:rPr lang="en-US" altLang="ja-JP" sz="1600" b="1" dirty="0" smtClean="0"/>
-              <a:t>list</a:t>
+              <a:t> Excel export/import list</a:t>
             </a:r>
             <a:endParaRPr lang="en-US" altLang="ja-JP" sz="1600" b="1" dirty="0"/>
           </a:p>
@@ -31276,16 +31599,7 @@
                   </a:solidFill>
                   <a:latin typeface="+mn-ea"/>
                 </a:rPr>
-                <a:t>Check that the </a:t>
-              </a:r>
-              <a:r>
-                <a:rPr lang="en-US" altLang="ja-JP" sz="1200" dirty="0" smtClean="0">
-                  <a:solidFill>
-                    <a:schemeClr val="tx1"/>
-                  </a:solidFill>
-                  <a:latin typeface="+mn-ea"/>
-                </a:rPr>
-                <a:t>status</a:t>
+                <a:t>Check that the status</a:t>
               </a:r>
               <a:br>
                 <a:rPr lang="en-US" altLang="ja-JP" sz="1200" dirty="0" smtClean="0">
@@ -31302,25 +31616,7 @@
                   </a:solidFill>
                   <a:latin typeface="+mn-ea"/>
                 </a:rPr>
-                <a:t> </a:t>
-              </a:r>
-              <a:r>
-                <a:rPr lang="en-US" altLang="ja-JP" sz="1200" dirty="0" smtClean="0">
-                  <a:solidFill>
-                    <a:schemeClr val="tx1"/>
-                  </a:solidFill>
-                  <a:latin typeface="+mn-ea"/>
-                </a:rPr>
-                <a:t>says: </a:t>
-              </a:r>
-              <a:r>
-                <a:rPr lang="en-US" altLang="ja-JP" sz="1200" dirty="0" smtClean="0">
-                  <a:solidFill>
-                    <a:schemeClr val="tx1"/>
-                  </a:solidFill>
-                  <a:latin typeface="+mn-ea"/>
-                </a:rPr>
-                <a:t>Completed</a:t>
+                <a:t> says: Completed</a:t>
               </a:r>
               <a:endParaRPr lang="en-US" altLang="ja-JP" sz="1200" dirty="0">
                 <a:solidFill>
@@ -31595,15 +31891,6 @@
                 </a:rPr>
                 <a:t>Check the number of </a:t>
               </a:r>
-              <a:r>
-                <a:rPr lang="en-US" altLang="ja-JP" sz="1200" dirty="0" smtClean="0">
-                  <a:solidFill>
-                    <a:schemeClr val="tx1"/>
-                  </a:solidFill>
-                  <a:latin typeface="+mn-ea"/>
-                </a:rPr>
-                <a:t/>
-              </a:r>
               <a:br>
                 <a:rPr lang="en-US" altLang="ja-JP" sz="1200" dirty="0" smtClean="0">
                   <a:solidFill>
@@ -31621,12 +31908,6 @@
                 </a:rPr>
                 <a:t>registrations</a:t>
               </a:r>
-              <a:endParaRPr lang="en-US" altLang="ja-JP" sz="1200" dirty="0" smtClean="0">
-                <a:solidFill>
-                  <a:schemeClr val="tx1"/>
-                </a:solidFill>
-                <a:latin typeface="+mn-ea"/>
-              </a:endParaRPr>
             </a:p>
           </p:txBody>
         </p:sp>
@@ -35811,7 +36092,15 @@
             </a:pPr>
             <a:r>
               <a:rPr lang="en-US" altLang="ja-JP" dirty="0" smtClean="0"/>
-              <a:t>This document aims to introduce the reader to the Export/Import function by teaching them through a hands-on scenario</a:t>
+              <a:t>This document aims to introduce the reader to the </a:t>
+            </a:r>
+            <a:r>
+              <a:rPr lang="en-US" altLang="ja-JP" b="1" dirty="0" smtClean="0"/>
+              <a:t>Export/Import function </a:t>
+            </a:r>
+            <a:r>
+              <a:rPr lang="en-US" altLang="ja-JP" dirty="0" smtClean="0"/>
+              <a:t>by teaching them through a hands-on scenario</a:t>
             </a:r>
             <a:endParaRPr lang="en-US" altLang="ja-JP" dirty="0">
               <a:solidFill>
@@ -36206,7 +36495,19 @@
             </a:br>
             <a:r>
               <a:rPr lang="en-US" altLang="ja-JP" sz="1600" dirty="0" smtClean="0"/>
-              <a:t>The Export/Import function requires 2 menus in order to function.</a:t>
+              <a:t>The Export/Import function requires 2 </a:t>
+            </a:r>
+            <a:r>
+              <a:rPr lang="en-US" altLang="ja-JP" sz="1600" dirty="0" smtClean="0"/>
+              <a:t>systems </a:t>
+            </a:r>
+            <a:r>
+              <a:rPr lang="en-US" altLang="ja-JP" sz="1600" dirty="0" smtClean="0"/>
+              <a:t>in order to </a:t>
+            </a:r>
+            <a:r>
+              <a:rPr lang="en-US" altLang="ja-JP" sz="1600" dirty="0" smtClean="0"/>
+              <a:t>function (one for export and one for import).</a:t>
             </a:r>
             <a:endParaRPr lang="en-US" altLang="ja-JP" sz="1600" dirty="0"/>
           </a:p>
@@ -36305,22 +36606,30 @@
             </a:r>
             <a:r>
               <a:rPr lang="en-US" altLang="ja-JP" sz="1600" dirty="0" smtClean="0"/>
-              <a:t>ITA 1.8.0</a:t>
+              <a:t>ITA </a:t>
+            </a:r>
+            <a:r>
+              <a:rPr lang="en-US" altLang="ja-JP" sz="1600" dirty="0" smtClean="0"/>
+              <a:t>1.9.0</a:t>
+            </a:r>
+            <a:r>
+              <a:rPr lang="en-US" altLang="ja-JP" sz="1600" dirty="0" smtClean="0"/>
+              <a:t/>
             </a:r>
             <a:br>
               <a:rPr lang="en-US" altLang="ja-JP" sz="1600" dirty="0" smtClean="0"/>
             </a:br>
             <a:r>
               <a:rPr lang="en-US" altLang="ja-JP" sz="1600" dirty="0" smtClean="0"/>
-              <a:t>・</a:t>
-            </a:r>
-            <a:r>
-              <a:rPr lang="en-US" altLang="ja-JP" sz="1600" dirty="0" err="1" smtClean="0"/>
-              <a:t>Ansible</a:t>
+              <a:t>・Ansible </a:t>
             </a:r>
             <a:r>
               <a:rPr lang="en-US" altLang="ja-JP" sz="1600" dirty="0" smtClean="0"/>
-              <a:t> 2.11.2</a:t>
+              <a:t>2.11.7</a:t>
+            </a:r>
+            <a:r>
+              <a:rPr lang="en-US" altLang="ja-JP" sz="1600" dirty="0" smtClean="0"/>
+              <a:t/>
             </a:r>
             <a:br>
               <a:rPr lang="en-US" altLang="ja-JP" sz="1600" dirty="0" smtClean="0"/>
@@ -36498,7 +36807,7 @@
                 <a:rPr lang="en-US" altLang="ja-JP" sz="1200" dirty="0" smtClean="0">
                   <a:latin typeface="+mn-ea"/>
                 </a:rPr>
-                <a:t>1.8.0</a:t>
+                <a:t>1.9.0</a:t>
               </a:r>
               <a:endParaRPr kumimoji="1" lang="ja-JP" altLang="en-US" sz="1200" dirty="0" smtClean="0">
                 <a:latin typeface="+mn-ea"/>
@@ -36638,8 +36947,11 @@
                 <a:rPr kumimoji="1" lang="en-US" altLang="ja-JP" sz="1200" dirty="0" smtClean="0">
                   <a:latin typeface="+mn-ea"/>
                 </a:rPr>
-                <a:t>2.11.2</a:t>
+                <a:t>2.11.7</a:t>
               </a:r>
+              <a:endParaRPr kumimoji="1" lang="en-US" altLang="ja-JP" sz="1200" dirty="0" smtClean="0">
+                <a:latin typeface="+mn-ea"/>
+              </a:endParaRPr>
             </a:p>
           </p:txBody>
         </p:sp>
@@ -36809,7 +37121,7 @@
                 <a:rPr lang="en-US" altLang="ja-JP" sz="1200" dirty="0" smtClean="0">
                   <a:latin typeface="+mn-ea"/>
                 </a:rPr>
-                <a:t>1.8.0</a:t>
+                <a:t>1.9.0</a:t>
               </a:r>
               <a:endParaRPr kumimoji="1" lang="ja-JP" altLang="en-US" sz="1200" dirty="0" smtClean="0">
                 <a:latin typeface="+mn-ea"/>
@@ -36949,8 +37261,11 @@
                 <a:rPr kumimoji="1" lang="en-US" altLang="ja-JP" sz="1200" dirty="0" smtClean="0">
                   <a:latin typeface="+mn-ea"/>
                 </a:rPr>
-                <a:t>2.11.2</a:t>
+                <a:t>2.11.7</a:t>
               </a:r>
+              <a:endParaRPr kumimoji="1" lang="en-US" altLang="ja-JP" sz="1200" dirty="0" smtClean="0">
+                <a:latin typeface="+mn-ea"/>
+              </a:endParaRPr>
             </a:p>
           </p:txBody>
         </p:sp>
@@ -38885,12 +39200,12 @@
               <a:t>.1</a:t>
             </a:r>
             <a:r>
-              <a:rPr lang="ja-JP" altLang="en-US" dirty="0"/>
+              <a:rPr lang="ja-JP" altLang="en-US" dirty="0" smtClean="0"/>
               <a:t>　</a:t>
             </a:r>
             <a:r>
               <a:rPr lang="en-US" altLang="ja-JP" dirty="0" smtClean="0"/>
-              <a:t>Work procedure</a:t>
+              <a:t>Export/Import procedure</a:t>
             </a:r>
             <a:endParaRPr kumimoji="1" lang="ja-JP" altLang="en-US" dirty="0"/>
           </a:p>
@@ -40057,9 +40372,12 @@
             </a:br>
             <a:r>
               <a:rPr lang="en-US" altLang="ja-JP" sz="1600" dirty="0" smtClean="0"/>
-              <a:t>Menu: Basic console&gt; Device list</a:t>
-            </a:r>
-            <a:endParaRPr lang="en-US" altLang="ja-JP" sz="1600" b="1" dirty="0" smtClean="0"/>
+              <a:t>Menu: </a:t>
+            </a:r>
+            <a:r>
+              <a:rPr lang="en-US" altLang="ja-JP" sz="1600" b="1" dirty="0" smtClean="0"/>
+              <a:t>Basic console&gt; Device list</a:t>
+            </a:r>
           </a:p>
           <a:p>
             <a:pPr marL="457200" indent="-457200">
@@ -40833,15 +41151,24 @@
           <a:p>
             <a:pPr algn="ctr"/>
             <a:r>
-              <a:rPr lang="en-US" altLang="ja-JP" sz="900" b="1" dirty="0" smtClean="0">
+              <a:rPr lang="en-US" altLang="ja-JP" sz="1000" b="1" dirty="0" smtClean="0">
                 <a:solidFill>
                   <a:schemeClr val="tx1"/>
                 </a:solidFill>
                 <a:latin typeface="+mn-ea"/>
               </a:rPr>
-              <a:t>Device Info</a:t>
-            </a:r>
-            <a:endParaRPr kumimoji="1" lang="ja-JP" altLang="en-US" sz="900" b="1" dirty="0" smtClean="0">
+              <a:t>Device </a:t>
+            </a:r>
+            <a:r>
+              <a:rPr lang="en-US" altLang="ja-JP" sz="1000" b="1" dirty="0" smtClean="0">
+                <a:solidFill>
+                  <a:schemeClr val="tx1"/>
+                </a:solidFill>
+                <a:latin typeface="+mn-ea"/>
+              </a:rPr>
+              <a:t>info</a:t>
+            </a:r>
+            <a:endParaRPr kumimoji="1" lang="ja-JP" altLang="en-US" sz="1000" b="1" dirty="0" smtClean="0">
               <a:solidFill>
                 <a:schemeClr val="tx1"/>
               </a:solidFill>
@@ -41294,7 +41621,31 @@
             </a:br>
             <a:r>
               <a:rPr kumimoji="1" lang="en-US" altLang="ja-JP" sz="1600" dirty="0" smtClean="0"/>
-              <a:t>Menu: Basic Console&gt; Input operation list</a:t>
+              <a:t>Menu: </a:t>
+            </a:r>
+            <a:r>
+              <a:rPr kumimoji="1" lang="en-US" altLang="ja-JP" sz="1600" b="1" dirty="0" smtClean="0"/>
+              <a:t>Basic </a:t>
+            </a:r>
+            <a:r>
+              <a:rPr kumimoji="1" lang="en-US" altLang="ja-JP" sz="1600" b="1" dirty="0" smtClean="0"/>
+              <a:t>console</a:t>
+            </a:r>
+            <a:r>
+              <a:rPr kumimoji="1" lang="en-US" altLang="ja-JP" sz="1600" b="1" dirty="0" smtClean="0"/>
+              <a:t>&gt; </a:t>
+            </a:r>
+            <a:r>
+              <a:rPr lang="en-US" altLang="ja-JP" sz="1600" b="1" dirty="0"/>
+              <a:t>O</a:t>
+            </a:r>
+            <a:r>
+              <a:rPr kumimoji="1" lang="en-US" altLang="ja-JP" sz="1600" b="1" dirty="0" smtClean="0"/>
+              <a:t>peration </a:t>
+            </a:r>
+            <a:r>
+              <a:rPr kumimoji="1" lang="en-US" altLang="ja-JP" sz="1600" b="1" dirty="0" smtClean="0"/>
+              <a:t>list</a:t>
             </a:r>
             <a:endParaRPr lang="en-US" altLang="ja-JP" sz="1600" b="1" dirty="0"/>
           </a:p>
@@ -41892,7 +42243,7 @@
           <a:p>
             <a:pPr algn="ctr"/>
             <a:r>
-              <a:rPr lang="en-US" altLang="ja-JP" sz="900" b="1" dirty="0" smtClean="0">
+              <a:rPr lang="en-US" altLang="ja-JP" sz="1000" b="1" dirty="0" smtClean="0">
                 <a:solidFill>
                   <a:schemeClr val="tx1"/>
                 </a:solidFill>
@@ -41900,7 +42251,7 @@
               </a:rPr>
               <a:t>Device info</a:t>
             </a:r>
-            <a:endParaRPr kumimoji="1" lang="ja-JP" altLang="en-US" sz="900" b="1" dirty="0" smtClean="0">
+            <a:endParaRPr kumimoji="1" lang="ja-JP" altLang="en-US" sz="1000" b="1" dirty="0" smtClean="0">
               <a:solidFill>
                 <a:schemeClr val="tx1"/>
               </a:solidFill>
